--- a/2022秋季-数据结构-第4章-树c.pptx
+++ b/2022秋季-数据结构-第4章-树c.pptx
@@ -128,7 +128,7 @@
       </a:defRPr>
     </a:lvl9pPr>
   </p:defaultTextStyle>
-  <p:modifyVerifier cryptProviderType="rsaFull" cryptAlgorithmClass="hash" cryptAlgorithmType="typeAny" cryptAlgorithmSid="4" spinCount="100000" saltData="KYBtdQeBIg5cgbi1fR+INQ==" hashData="t/VKexHsdbzpt4qnb+T0Ry0oBFo="/>
+  <p:modifyVerifier cryptProviderType="rsaFull" cryptAlgorithmClass="hash" cryptAlgorithmType="typeAny" cryptAlgorithmSid="4" spinCount="100000" saltData="0XUorgY6+K7wIRYRyKy+XQ==" hashData="ml0D213mTMmhBlGaGKqyZuTpAbs="/>
 </p:presentation>
 </file>
 
@@ -13050,7 +13050,7 @@
         <p:spPr>
           <a:xfrm>
             <a:off x="1071538" y="2071678"/>
-            <a:ext cx="7384415" cy="583565"/>
+            <a:ext cx="7129780" cy="583565"/>
           </a:xfrm>
           <a:prstGeom prst="rect">
             <a:avLst/>
@@ -13099,10 +13099,6 @@
                 <a:sym typeface="Wingdings" panose="05000000000000000000" pitchFamily="2" charset="2"/>
               </a:rPr>
               <a:t>后仍是哈夫曼树</a:t>
-            </a:r>
-            <a:r>
-              <a:rPr lang="zh-CN" altLang="en-US" sz="2000" b="1" dirty="0" smtClean="0"/>
-              <a:t>、</a:t>
             </a:r>
             <a:endParaRPr lang="zh-CN" altLang="en-US" sz="2000" b="1" dirty="0"/>
           </a:p>
@@ -13117,7 +13113,7 @@
         <p:spPr>
           <a:xfrm>
             <a:off x="1071538" y="1571612"/>
-            <a:ext cx="5269865" cy="583565"/>
+            <a:ext cx="5410835" cy="583565"/>
           </a:xfrm>
           <a:prstGeom prst="rect">
             <a:avLst/>
@@ -13164,7 +13160,7 @@
               <a:rPr lang="en-US" altLang="zh-CN" sz="2000" b="1" dirty="0" smtClean="0">
                 <a:sym typeface="Wingdings" panose="05000000000000000000" pitchFamily="2" charset="2"/>
               </a:rPr>
-              <a:t>2n-1</a:t>
+              <a:t>2n - 1</a:t>
             </a:r>
             <a:r>
               <a:rPr lang="zh-CN" altLang="en-US" sz="2000" b="1" dirty="0" smtClean="0">
@@ -13511,10 +13507,6 @@
                 </a:solidFill>
               </a:rPr>
               <a:t>是同构的</a:t>
-            </a:r>
-            <a:r>
-              <a:rPr lang="zh-CN" altLang="en-US" sz="2000" b="1" dirty="0" smtClean="0"/>
-              <a:t>。</a:t>
             </a:r>
             <a:endParaRPr lang="zh-CN" altLang="en-US" sz="2000" b="1" dirty="0"/>
           </a:p>
@@ -15682,7 +15674,7 @@
           <a:p>
             <a:r>
               <a:rPr lang="zh-CN" altLang="en-US"/>
-              <a:t>如果用等长ASCII编码：58 ×8 = 464位；如果用等长3位编码：58 ×3 = 174位；</a:t>
+              <a:t>如果用等长ASCII编码：58 ×8 = 464位；如果用等长3位编码：58 ×3 = 174位</a:t>
             </a:r>
             <a:endParaRPr lang="zh-CN" altLang="en-US"/>
           </a:p>
@@ -29936,13 +29928,14 @@
                   <a:srgbClr val="0000FF"/>
                 </a:solidFill>
               </a:rPr>
-              <a:t>(</a:t>
+              <a:t>（</a:t>
             </a:r>
             <a:r>
               <a:rPr lang="en-US" altLang="zh-CN" sz="2000" b="1" dirty="0" err="1" smtClean="0">
                 <a:solidFill>
                   <a:srgbClr val="0000FF"/>
                 </a:solidFill>
+                <a:sym typeface="+mn-ea"/>
               </a:rPr>
               <a:t>MaxHeap</a:t>
             </a:r>
@@ -29952,7 +29945,7 @@
                   <a:srgbClr val="0000FF"/>
                 </a:solidFill>
               </a:rPr>
-              <a:t>)</a:t>
+              <a:t>）</a:t>
             </a:r>
             <a:r>
               <a:rPr lang="zh-CN" altLang="en-US" sz="2000" b="1" dirty="0" smtClean="0"/>
@@ -29996,31 +29989,24 @@
                   <a:srgbClr val="0000FF"/>
                 </a:solidFill>
               </a:rPr>
-              <a:t>最小堆</a:t>
-            </a:r>
-            <a:r>
-              <a:rPr lang="en-US" altLang="zh-CN" sz="2000" b="1" dirty="0" smtClean="0">
+              <a:t>最小堆（</a:t>
+            </a:r>
+            <a:r>
+              <a:rPr lang="en-US" altLang="zh-CN" sz="2000" b="1" dirty="0" err="1" smtClean="0">
                 <a:solidFill>
                   <a:srgbClr val="0000FF"/>
                 </a:solidFill>
-              </a:rPr>
-              <a:t>(</a:t>
-            </a:r>
-            <a:r>
-              <a:rPr lang="en-US" altLang="zh-CN" sz="2000" b="1" dirty="0" err="1" smtClean="0">
-                <a:solidFill>
-                  <a:srgbClr val="0000FF"/>
-                </a:solidFill>
+                <a:sym typeface="+mn-ea"/>
               </a:rPr>
               <a:t>MinHeap</a:t>
             </a:r>
             <a:r>
-              <a:rPr lang="en-US" altLang="zh-CN" sz="2000" b="1" dirty="0" smtClean="0">
+              <a:rPr lang="zh-CN" altLang="en-US" sz="2000" b="1" dirty="0" smtClean="0">
                 <a:solidFill>
                   <a:srgbClr val="0000FF"/>
                 </a:solidFill>
               </a:rPr>
-              <a:t>)</a:t>
+              <a:t>）</a:t>
             </a:r>
             <a:r>
               <a:rPr lang="zh-CN" altLang="en-US" sz="2000" b="1" dirty="0" smtClean="0"/>
@@ -40335,7 +40321,11 @@
           <a:p>
             <a:r>
               <a:rPr lang="zh-CN" altLang="en-US"/>
-              <a:t>从新增的最后一个结点的父结点开始，用要插入元素向上渗透</a:t>
+              <a:t>从新增的最后一个结点的父结点开始，用要插入</a:t>
+            </a:r>
+            <a:r>
+              <a:rPr lang="zh-CN" altLang="en-US"/>
+              <a:t>的元素向上渗透</a:t>
             </a:r>
             <a:endParaRPr lang="zh-CN" altLang="en-US"/>
           </a:p>
@@ -43574,7 +43564,7 @@
                 <a:ea typeface="宋体" pitchFamily="2" charset="-122"/>
                 <a:cs typeface="Times New Roman" panose="02020603050405020304" pitchFamily="18" charset="0"/>
               </a:rPr>
-              <a:t>按最大堆的要求存放在一个一维数组中。</a:t>
+              <a:t>按最大堆的要求存放在一个一维数组中</a:t>
             </a:r>
             <a:endParaRPr lang="zh-CN" altLang="en-US" sz="2400" b="1" dirty="0"/>
           </a:p>
